--- a/Microbreweries Across the US.pptx
+++ b/Microbreweries Across the US.pptx
@@ -8,7 +8,6 @@
     <p:sldId id="259" r:id="rId2"/>
     <p:sldId id="258" r:id="rId3"/>
     <p:sldId id="260" r:id="rId4"/>
-    <p:sldId id="261" r:id="rId5"/>
   </p:sldIdLst>
   <p:sldSz cx="12192000" cy="6858000"/>
   <p:notesSz cx="6858000" cy="9144000"/>
@@ -118,6 +117,22 @@
 <file path=ppt/changesInfos/changesInfo1.xml><?xml version="1.0" encoding="utf-8"?>
 <pc:chgInfo xmlns:a="http://schemas.openxmlformats.org/drawingml/2006/main" xmlns:r="http://schemas.openxmlformats.org/officeDocument/2006/relationships" xmlns:ac="http://schemas.microsoft.com/office/drawing/2013/main/command" xmlns:pc="http://schemas.microsoft.com/office/powerpoint/2013/main/command">
   <pc:docChgLst>
+    <pc:chgData name="Eric Evans" userId="1a46d0bfc27536c1" providerId="LiveId" clId="{D16955C0-ED33-47A2-9BF9-818624026302}"/>
+    <pc:docChg chg="delSld modSld">
+      <pc:chgData name="Eric Evans" userId="1a46d0bfc27536c1" providerId="LiveId" clId="{D16955C0-ED33-47A2-9BF9-818624026302}" dt="2021-03-24T14:23:15.145" v="1" actId="2696"/>
+      <pc:docMkLst>
+        <pc:docMk/>
+      </pc:docMkLst>
+      <pc:sldChg chg="del mod modShow">
+        <pc:chgData name="Eric Evans" userId="1a46d0bfc27536c1" providerId="LiveId" clId="{D16955C0-ED33-47A2-9BF9-818624026302}" dt="2021-03-24T14:23:15.145" v="1" actId="2696"/>
+        <pc:sldMkLst>
+          <pc:docMk/>
+          <pc:sldMk cId="4281478785" sldId="261"/>
+        </pc:sldMkLst>
+      </pc:sldChg>
+    </pc:docChg>
+  </pc:docChgLst>
+  <pc:docChgLst>
     <pc:chgData name="Eric Evans" userId="1a46d0bfc27536c1" providerId="LiveId" clId="{3908F9D3-D695-48C1-B4D3-0F078EEDAF70}"/>
     <pc:docChg chg="custSel modSld">
       <pc:chgData name="Eric Evans" userId="1a46d0bfc27536c1" providerId="LiveId" clId="{3908F9D3-D695-48C1-B4D3-0F078EEDAF70}" dt="2021-03-24T03:22:31.715" v="6" actId="207"/>
@@ -345,7 +360,7 @@
           <a:p>
             <a:fld id="{88D38747-4367-4BD2-8D51-C97E202738E2}" type="datetime1">
               <a:rPr lang="en-US" smtClean="0"/>
-              <a:t>3/23/2021</a:t>
+              <a:t>3/24/2021</a:t>
             </a:fld>
             <a:endParaRPr lang="en-US" dirty="0"/>
           </a:p>
@@ -650,7 +665,7 @@
           <a:p>
             <a:fld id="{11F1B079-7EF0-44EE-B798-BCC497C9F3B2}" type="datetime1">
               <a:rPr lang="en-US" smtClean="0"/>
-              <a:t>3/23/2021</a:t>
+              <a:t>3/24/2021</a:t>
             </a:fld>
             <a:endParaRPr lang="en-US" dirty="0"/>
           </a:p>
@@ -844,7 +859,7 @@
           <a:p>
             <a:fld id="{28FF70A8-1D13-4657-95F0-A9EA54967B8D}" type="datetime1">
               <a:rPr lang="en-US" smtClean="0"/>
-              <a:t>3/23/2021</a:t>
+              <a:t>3/24/2021</a:t>
             </a:fld>
             <a:endParaRPr lang="en-US" dirty="0"/>
           </a:p>
@@ -1107,7 +1122,7 @@
           <a:p>
             <a:fld id="{21EB90AC-71BD-4C7F-8ACA-7B3F18292E63}" type="datetime1">
               <a:rPr lang="en-US" smtClean="0"/>
-              <a:t>3/23/2021</a:t>
+              <a:t>3/24/2021</a:t>
             </a:fld>
             <a:endParaRPr lang="en-US" dirty="0"/>
           </a:p>
@@ -1543,7 +1558,7 @@
           <a:p>
             <a:fld id="{4E6EFC2C-8905-46F0-B443-CE905B76BA01}" type="datetime1">
               <a:rPr lang="en-US" smtClean="0"/>
-              <a:t>3/23/2021</a:t>
+              <a:t>3/24/2021</a:t>
             </a:fld>
             <a:endParaRPr lang="en-US" dirty="0"/>
           </a:p>
@@ -2080,7 +2095,7 @@
           <a:p>
             <a:fld id="{D9079DC3-C9B5-499E-9140-0DC28B7074E2}" type="datetime1">
               <a:rPr lang="en-US" smtClean="0"/>
-              <a:t>3/23/2021</a:t>
+              <a:t>3/24/2021</a:t>
             </a:fld>
             <a:endParaRPr lang="en-US" dirty="0"/>
           </a:p>
@@ -2962,7 +2977,7 @@
           <a:p>
             <a:fld id="{30BB33EA-E472-4D22-9C03-A9C14AA21CED}" type="datetime1">
               <a:rPr lang="en-US" smtClean="0"/>
-              <a:t>3/23/2021</a:t>
+              <a:t>3/24/2021</a:t>
             </a:fld>
             <a:endParaRPr lang="en-US" dirty="0"/>
           </a:p>
@@ -3132,7 +3147,7 @@
           <a:p>
             <a:fld id="{217E833E-1B6D-415F-AD29-75AE8C43BD0D}" type="datetime1">
               <a:rPr lang="en-US" smtClean="0"/>
-              <a:t>3/23/2021</a:t>
+              <a:t>3/24/2021</a:t>
             </a:fld>
             <a:endParaRPr lang="en-US" dirty="0"/>
           </a:p>
@@ -3316,7 +3331,7 @@
           <a:p>
             <a:fld id="{8452596F-08A7-4B70-989A-F2B1CF31E66B}" type="datetime1">
               <a:rPr lang="en-US" smtClean="0"/>
-              <a:t>3/23/2021</a:t>
+              <a:t>3/24/2021</a:t>
             </a:fld>
             <a:endParaRPr lang="en-US" dirty="0"/>
           </a:p>
@@ -3486,7 +3501,7 @@
           <a:p>
             <a:fld id="{73C55A3C-5767-4844-A0A3-83778C2E5409}" type="datetime1">
               <a:rPr lang="en-US" smtClean="0"/>
-              <a:t>3/23/2021</a:t>
+              <a:t>3/24/2021</a:t>
             </a:fld>
             <a:endParaRPr lang="en-US" dirty="0"/>
           </a:p>
@@ -3730,7 +3745,7 @@
           <a:p>
             <a:fld id="{CAE507A8-A5CF-4D38-AB86-7EDDA87A85D4}" type="datetime1">
               <a:rPr lang="en-US" smtClean="0"/>
-              <a:t>3/23/2021</a:t>
+              <a:t>3/24/2021</a:t>
             </a:fld>
             <a:endParaRPr lang="en-US" dirty="0"/>
           </a:p>
@@ -3972,7 +3987,7 @@
           <a:p>
             <a:fld id="{BDFCD27C-8599-43EF-BA1D-14DDC1946E06}" type="datetime1">
               <a:rPr lang="en-US" smtClean="0"/>
-              <a:t>3/23/2021</a:t>
+              <a:t>3/24/2021</a:t>
             </a:fld>
             <a:endParaRPr lang="en-US" dirty="0"/>
           </a:p>
@@ -4455,7 +4470,7 @@
           <a:p>
             <a:fld id="{49343D99-809A-49C0-96E5-4250D0B498EE}" type="datetime1">
               <a:rPr lang="en-US" smtClean="0"/>
-              <a:t>3/23/2021</a:t>
+              <a:t>3/24/2021</a:t>
             </a:fld>
             <a:endParaRPr lang="en-US" dirty="0"/>
           </a:p>
@@ -4573,7 +4588,7 @@
           <a:p>
             <a:fld id="{A143DE9B-B678-4EFB-BB7D-A4370204A0B0}" type="datetime1">
               <a:rPr lang="en-US" smtClean="0"/>
-              <a:t>3/23/2021</a:t>
+              <a:t>3/24/2021</a:t>
             </a:fld>
             <a:endParaRPr lang="en-US" dirty="0"/>
           </a:p>
@@ -4668,7 +4683,7 @@
           <a:p>
             <a:fld id="{E68812DA-F765-4142-A6A3-A8ED7235E082}" type="datetime1">
               <a:rPr lang="en-US" smtClean="0"/>
-              <a:t>3/23/2021</a:t>
+              <a:t>3/24/2021</a:t>
             </a:fld>
             <a:endParaRPr lang="en-US" dirty="0"/>
           </a:p>
@@ -4923,7 +4938,7 @@
           <a:p>
             <a:fld id="{3E0277FD-7DE6-41D4-930D-AC99F5AFE54E}" type="datetime1">
               <a:rPr lang="en-US" smtClean="0"/>
-              <a:t>3/23/2021</a:t>
+              <a:t>3/24/2021</a:t>
             </a:fld>
             <a:endParaRPr lang="en-US" dirty="0"/>
           </a:p>
@@ -5230,7 +5245,7 @@
           <a:p>
             <a:fld id="{9EA15526-7079-4B7B-987C-1B5FAE11A0FF}" type="datetime1">
               <a:rPr lang="en-US" smtClean="0"/>
-              <a:t>3/23/2021</a:t>
+              <a:t>3/24/2021</a:t>
             </a:fld>
             <a:endParaRPr lang="en-US" dirty="0"/>
           </a:p>
@@ -5465,7 +5480,7 @@
           <a:p>
             <a:fld id="{073ED0CC-082F-4160-86E5-0D6041F12778}" type="datetime1">
               <a:rPr lang="en-US" smtClean="0"/>
-              <a:t>3/23/2021</a:t>
+              <a:t>3/24/2021</a:t>
             </a:fld>
             <a:endParaRPr lang="en-US" dirty="0"/>
           </a:p>
@@ -6564,89 +6579,6 @@
 </p:sld>
 </file>
 
-<file path=ppt/slides/slide4.xml><?xml version="1.0" encoding="utf-8"?>
-<p:sld xmlns:a="http://schemas.openxmlformats.org/drawingml/2006/main" xmlns:r="http://schemas.openxmlformats.org/officeDocument/2006/relationships" xmlns:p="http://schemas.openxmlformats.org/presentationml/2006/main">
-  <p:cSld>
-    <p:spTree>
-      <p:nvGrpSpPr>
-        <p:cNvPr id="1" name=""/>
-        <p:cNvGrpSpPr/>
-        <p:nvPr/>
-      </p:nvGrpSpPr>
-      <p:grpSpPr>
-        <a:xfrm>
-          <a:off x="0" y="0"/>
-          <a:ext cx="0" cy="0"/>
-          <a:chOff x="0" y="0"/>
-          <a:chExt cx="0" cy="0"/>
-        </a:xfrm>
-      </p:grpSpPr>
-      <p:sp>
-        <p:nvSpPr>
-          <p:cNvPr id="2" name="Title 1">
-            <a:extLst>
-              <a:ext uri="{FF2B5EF4-FFF2-40B4-BE49-F238E27FC236}">
-                <a16:creationId xmlns:a16="http://schemas.microsoft.com/office/drawing/2014/main" id="{5E66161C-1DD1-4356-B7AC-D4572A677ECB}"/>
-              </a:ext>
-            </a:extLst>
-          </p:cNvPr>
-          <p:cNvSpPr>
-            <a:spLocks noGrp="1"/>
-          </p:cNvSpPr>
-          <p:nvPr>
-            <p:ph type="title"/>
-          </p:nvPr>
-        </p:nvSpPr>
-        <p:spPr/>
-        <p:txBody>
-          <a:bodyPr/>
-          <a:lstStyle/>
-          <a:p>
-            <a:r>
-              <a:rPr lang="en-US" dirty="0"/>
-              <a:t>Struggles</a:t>
-            </a:r>
-          </a:p>
-        </p:txBody>
-      </p:sp>
-      <p:sp>
-        <p:nvSpPr>
-          <p:cNvPr id="3" name="Content Placeholder 2">
-            <a:extLst>
-              <a:ext uri="{FF2B5EF4-FFF2-40B4-BE49-F238E27FC236}">
-                <a16:creationId xmlns:a16="http://schemas.microsoft.com/office/drawing/2014/main" id="{9D498214-E344-4634-9983-3129D9BFA000}"/>
-              </a:ext>
-            </a:extLst>
-          </p:cNvPr>
-          <p:cNvSpPr>
-            <a:spLocks noGrp="1"/>
-          </p:cNvSpPr>
-          <p:nvPr>
-            <p:ph idx="1"/>
-          </p:nvPr>
-        </p:nvSpPr>
-        <p:spPr/>
-        <p:txBody>
-          <a:bodyPr/>
-          <a:lstStyle/>
-          <a:p>
-            <a:endParaRPr lang="en-US" dirty="0"/>
-          </a:p>
-        </p:txBody>
-      </p:sp>
-    </p:spTree>
-    <p:extLst>
-      <p:ext uri="{BB962C8B-B14F-4D97-AF65-F5344CB8AC3E}">
-        <p14:creationId xmlns:p14="http://schemas.microsoft.com/office/powerpoint/2010/main" val="4281478785"/>
-      </p:ext>
-    </p:extLst>
-  </p:cSld>
-  <p:clrMapOvr>
-    <a:masterClrMapping/>
-  </p:clrMapOvr>
-</p:sld>
-</file>
-
 <file path=ppt/theme/theme1.xml><?xml version="1.0" encoding="utf-8"?>
 <a:theme xmlns:a="http://schemas.openxmlformats.org/drawingml/2006/main" name="SlateVTI">
   <a:themeElements>
